--- a/presentation.pptx
+++ b/presentation.pptx
@@ -228,7 +228,7 @@
             <a:effectLst/>
           </c:spPr>
           <c:marker>
-            <c:symbol val="diamond"/>
+            <c:symbol val="star"/>
             <c:size val="6"/>
             <c:spPr>
               <a:solidFill>
@@ -509,8 +509,8 @@
             <c:manualLayout>
               <c:xMode val="edge"/>
               <c:yMode val="edge"/>
-              <c:x val="6.1676176347521774E-2"/>
-              <c:y val="0.11764421758532149"/>
+              <c:x val="3.3941026584733094E-2"/>
+              <c:y val="0.12047105320327219"/>
             </c:manualLayout>
           </c:layout>
           <c:overlay val="0"/>
@@ -4728,16 +4728,16 @@
 <c:userShapes xmlns:c="http://schemas.openxmlformats.org/drawingml/2006/chart">
   <cdr:relSizeAnchor xmlns:cdr="http://schemas.openxmlformats.org/drawingml/2006/chartDrawing">
     <cdr:from>
-      <cdr:x>0.7166</cdr:x>
-      <cdr:y>0.38596</cdr:y>
+      <cdr:x>0.82597</cdr:x>
+      <cdr:y>0.29244</cdr:y>
     </cdr:from>
     <cdr:to>
-      <cdr:x>0.7166</cdr:x>
-      <cdr:y>0.43145</cdr:y>
+      <cdr:x>0.82597</cdr:x>
+      <cdr:y>0.38681</cdr:y>
     </cdr:to>
     <cdr:cxnSp macro="">
       <cdr:nvCxnSpPr>
-        <cdr:cNvPr id="2" name="Straight Connector 1">
+        <cdr:cNvPr id="4" name="Straight Connector 3">
           <a:extLst xmlns:a="http://schemas.openxmlformats.org/drawingml/2006/main">
             <a:ext uri="{FF2B5EF4-FFF2-40B4-BE49-F238E27FC236}">
               <a16:creationId xmlns:a16="http://schemas.microsoft.com/office/drawing/2014/main" id="{3F90FF06-2AAE-8D42-9ED1-340BDD8A0A62}"/>
@@ -4750,8 +4750,8 @@
       </cdr:nvCxnSpPr>
       <cdr:spPr>
         <a:xfrm xmlns:a="http://schemas.openxmlformats.org/drawingml/2006/main">
-          <a:off x="7535506" y="1733974"/>
-          <a:ext cx="0" cy="204377"/>
+          <a:off x="6429657" y="1313818"/>
+          <a:ext cx="0" cy="423966"/>
         </a:xfrm>
         <a:prstGeom xmlns:a="http://schemas.openxmlformats.org/drawingml/2006/main" prst="line">
           <a:avLst/>
@@ -4780,16 +4780,16 @@
   </cdr:relSizeAnchor>
   <cdr:relSizeAnchor xmlns:cdr="http://schemas.openxmlformats.org/drawingml/2006/chartDrawing">
     <cdr:from>
-      <cdr:x>0.82744</cdr:x>
-      <cdr:y>0.24914</cdr:y>
+      <cdr:x>0.71562</cdr:x>
+      <cdr:y>0.39076</cdr:y>
     </cdr:from>
     <cdr:to>
-      <cdr:x>0.82744</cdr:x>
-      <cdr:y>0.39304</cdr:y>
+      <cdr:x>0.71562</cdr:x>
+      <cdr:y>0.42214</cdr:y>
     </cdr:to>
     <cdr:cxnSp macro="">
       <cdr:nvCxnSpPr>
-        <cdr:cNvPr id="4" name="Straight Connector 3">
+        <cdr:cNvPr id="2" name="Straight Connector 1">
           <a:extLst xmlns:a="http://schemas.openxmlformats.org/drawingml/2006/main">
             <a:ext uri="{FF2B5EF4-FFF2-40B4-BE49-F238E27FC236}">
               <a16:creationId xmlns:a16="http://schemas.microsoft.com/office/drawing/2014/main" id="{3F90FF06-2AAE-8D42-9ED1-340BDD8A0A62}"/>
@@ -4802,8 +4802,8 @@
       </cdr:nvCxnSpPr>
       <cdr:spPr>
         <a:xfrm xmlns:a="http://schemas.openxmlformats.org/drawingml/2006/main">
-          <a:off x="8701034" y="1119294"/>
-          <a:ext cx="0" cy="646485"/>
+          <a:off x="5570649" y="1755564"/>
+          <a:ext cx="0" cy="140970"/>
         </a:xfrm>
         <a:prstGeom xmlns:a="http://schemas.openxmlformats.org/drawingml/2006/main" prst="line">
           <a:avLst/>
@@ -4915,7 +4915,7 @@
           <a:p>
             <a:fld id="{C0C5C9ED-8F43-DA47-A8F7-D749796D0BD7}" type="datetimeFigureOut">
               <a:rPr lang="en-US" smtClean="0"/>
-              <a:t>9/25/19</a:t>
+              <a:t>9/25/2019</a:t>
             </a:fld>
             <a:endParaRPr lang="en-US"/>
           </a:p>
@@ -5275,6 +5275,276 @@
 </p:notes>
 </file>
 
+<file path=ppt/notesSlides/notesSlide2.xml><?xml version="1.0" encoding="utf-8"?>
+<p:notes xmlns:a="http://schemas.openxmlformats.org/drawingml/2006/main" xmlns:r="http://schemas.openxmlformats.org/officeDocument/2006/relationships" xmlns:p="http://schemas.openxmlformats.org/presentationml/2006/main">
+  <p:cSld>
+    <p:spTree>
+      <p:nvGrpSpPr>
+        <p:cNvPr id="1" name=""/>
+        <p:cNvGrpSpPr/>
+        <p:nvPr/>
+      </p:nvGrpSpPr>
+      <p:grpSpPr>
+        <a:xfrm>
+          <a:off x="0" y="0"/>
+          <a:ext cx="0" cy="0"/>
+          <a:chOff x="0" y="0"/>
+          <a:chExt cx="0" cy="0"/>
+        </a:xfrm>
+      </p:grpSpPr>
+      <p:sp>
+        <p:nvSpPr>
+          <p:cNvPr id="2" name="Slide Image Placeholder 1"/>
+          <p:cNvSpPr>
+            <a:spLocks noGrp="1" noRot="1" noChangeAspect="1"/>
+          </p:cNvSpPr>
+          <p:nvPr>
+            <p:ph type="sldImg"/>
+          </p:nvPr>
+        </p:nvSpPr>
+        <p:spPr/>
+      </p:sp>
+      <p:sp>
+        <p:nvSpPr>
+          <p:cNvPr id="3" name="Notes Placeholder 2"/>
+          <p:cNvSpPr>
+            <a:spLocks noGrp="1"/>
+          </p:cNvSpPr>
+          <p:nvPr>
+            <p:ph type="body" idx="1"/>
+          </p:nvPr>
+        </p:nvSpPr>
+        <p:spPr/>
+        <p:txBody>
+          <a:bodyPr/>
+          <a:lstStyle/>
+          <a:p>
+            <a:r>
+              <a:rPr lang="en-US" dirty="0"/>
+              <a:t>Can’t try all possible values of the line</a:t>
+            </a:r>
+          </a:p>
+          <a:p>
+            <a:r>
+              <a:rPr lang="en-US" sz="1200" b="0" i="0" kern="1200" dirty="0" err="1">
+                <a:solidFill>
+                  <a:schemeClr val="tx1"/>
+                </a:solidFill>
+                <a:effectLst/>
+                <a:latin typeface="+mn-lt"/>
+                <a:ea typeface="+mn-ea"/>
+                <a:cs typeface="+mn-cs"/>
+              </a:rPr>
+              <a:t>Đạo</a:t>
+            </a:r>
+            <a:r>
+              <a:rPr lang="en-US" sz="1200" b="0" i="0" kern="1200" dirty="0">
+                <a:solidFill>
+                  <a:schemeClr val="tx1"/>
+                </a:solidFill>
+                <a:effectLst/>
+                <a:latin typeface="+mn-lt"/>
+                <a:ea typeface="+mn-ea"/>
+                <a:cs typeface="+mn-cs"/>
+              </a:rPr>
+              <a:t> </a:t>
+            </a:r>
+            <a:r>
+              <a:rPr lang="en-US" sz="1200" b="0" i="0" kern="1200" dirty="0" err="1">
+                <a:solidFill>
+                  <a:schemeClr val="tx1"/>
+                </a:solidFill>
+                <a:effectLst/>
+                <a:latin typeface="+mn-lt"/>
+                <a:ea typeface="+mn-ea"/>
+                <a:cs typeface="+mn-cs"/>
+              </a:rPr>
+              <a:t>hàm</a:t>
+            </a:r>
+            <a:r>
+              <a:rPr lang="en-US" sz="1200" b="0" i="0" kern="1200" dirty="0">
+                <a:solidFill>
+                  <a:schemeClr val="tx1"/>
+                </a:solidFill>
+                <a:effectLst/>
+                <a:latin typeface="+mn-lt"/>
+                <a:ea typeface="+mn-ea"/>
+                <a:cs typeface="+mn-cs"/>
+              </a:rPr>
+              <a:t> </a:t>
+            </a:r>
+            <a:r>
+              <a:rPr lang="en-US" sz="1200" b="0" i="0" kern="1200" dirty="0" err="1">
+                <a:solidFill>
+                  <a:schemeClr val="tx1"/>
+                </a:solidFill>
+                <a:effectLst/>
+                <a:latin typeface="+mn-lt"/>
+                <a:ea typeface="+mn-ea"/>
+                <a:cs typeface="+mn-cs"/>
+              </a:rPr>
+              <a:t>riêng</a:t>
+            </a:r>
+            <a:r>
+              <a:rPr lang="en-US" sz="1200" b="0" i="0" kern="1200" dirty="0">
+                <a:solidFill>
+                  <a:schemeClr val="tx1"/>
+                </a:solidFill>
+                <a:effectLst/>
+                <a:latin typeface="+mn-lt"/>
+                <a:ea typeface="+mn-ea"/>
+                <a:cs typeface="+mn-cs"/>
+              </a:rPr>
+              <a:t> – </a:t>
+            </a:r>
+            <a:r>
+              <a:rPr lang="en-US" sz="1200" b="0" i="0" kern="1200" dirty="0" err="1">
+                <a:solidFill>
+                  <a:schemeClr val="tx1"/>
+                </a:solidFill>
+                <a:effectLst/>
+                <a:latin typeface="+mn-lt"/>
+                <a:ea typeface="+mn-ea"/>
+                <a:cs typeface="+mn-cs"/>
+              </a:rPr>
+              <a:t>đạo</a:t>
+            </a:r>
+            <a:r>
+              <a:rPr lang="en-US" sz="1200" b="0" i="0" kern="1200" dirty="0">
+                <a:solidFill>
+                  <a:schemeClr val="tx1"/>
+                </a:solidFill>
+                <a:effectLst/>
+                <a:latin typeface="+mn-lt"/>
+                <a:ea typeface="+mn-ea"/>
+                <a:cs typeface="+mn-cs"/>
+              </a:rPr>
+              <a:t> </a:t>
+            </a:r>
+            <a:r>
+              <a:rPr lang="en-US" sz="1200" b="0" i="0" kern="1200" dirty="0" err="1">
+                <a:solidFill>
+                  <a:schemeClr val="tx1"/>
+                </a:solidFill>
+                <a:effectLst/>
+                <a:latin typeface="+mn-lt"/>
+                <a:ea typeface="+mn-ea"/>
+                <a:cs typeface="+mn-cs"/>
+              </a:rPr>
+              <a:t>hàm</a:t>
+            </a:r>
+            <a:r>
+              <a:rPr lang="en-US" sz="1200" b="0" i="0" kern="1200" dirty="0">
+                <a:solidFill>
+                  <a:schemeClr val="tx1"/>
+                </a:solidFill>
+                <a:effectLst/>
+                <a:latin typeface="+mn-lt"/>
+                <a:ea typeface="+mn-ea"/>
+                <a:cs typeface="+mn-cs"/>
+              </a:rPr>
+              <a:t> </a:t>
+            </a:r>
+            <a:r>
+              <a:rPr lang="en-US" sz="1200" b="0" i="0" kern="1200" dirty="0" err="1">
+                <a:solidFill>
+                  <a:schemeClr val="tx1"/>
+                </a:solidFill>
+                <a:effectLst/>
+                <a:latin typeface="+mn-lt"/>
+                <a:ea typeface="+mn-ea"/>
+                <a:cs typeface="+mn-cs"/>
+              </a:rPr>
+              <a:t>theo</a:t>
+            </a:r>
+            <a:r>
+              <a:rPr lang="en-US" sz="1200" b="0" i="0" kern="1200" dirty="0">
+                <a:solidFill>
+                  <a:schemeClr val="tx1"/>
+                </a:solidFill>
+                <a:effectLst/>
+                <a:latin typeface="+mn-lt"/>
+                <a:ea typeface="+mn-ea"/>
+                <a:cs typeface="+mn-cs"/>
+              </a:rPr>
+              <a:t> </a:t>
+            </a:r>
+            <a:r>
+              <a:rPr lang="en-US" sz="1200" b="0" i="0" kern="1200" dirty="0" err="1">
+                <a:solidFill>
+                  <a:schemeClr val="tx1"/>
+                </a:solidFill>
+                <a:effectLst/>
+                <a:latin typeface="+mn-lt"/>
+                <a:ea typeface="+mn-ea"/>
+                <a:cs typeface="+mn-cs"/>
+              </a:rPr>
+              <a:t>một</a:t>
+            </a:r>
+            <a:r>
+              <a:rPr lang="en-US" sz="1200" b="0" i="0" kern="1200" dirty="0">
+                <a:solidFill>
+                  <a:schemeClr val="tx1"/>
+                </a:solidFill>
+                <a:effectLst/>
+                <a:latin typeface="+mn-lt"/>
+                <a:ea typeface="+mn-ea"/>
+                <a:cs typeface="+mn-cs"/>
+              </a:rPr>
+              <a:t> </a:t>
+            </a:r>
+            <a:r>
+              <a:rPr lang="en-US" sz="1200" b="0" i="0" kern="1200" dirty="0" err="1">
+                <a:solidFill>
+                  <a:schemeClr val="tx1"/>
+                </a:solidFill>
+                <a:effectLst/>
+                <a:latin typeface="+mn-lt"/>
+                <a:ea typeface="+mn-ea"/>
+                <a:cs typeface="+mn-cs"/>
+              </a:rPr>
+              <a:t>biến</a:t>
+            </a:r>
+            <a:endParaRPr lang="en-US" dirty="0"/>
+          </a:p>
+        </p:txBody>
+      </p:sp>
+      <p:sp>
+        <p:nvSpPr>
+          <p:cNvPr id="4" name="Slide Number Placeholder 3"/>
+          <p:cNvSpPr>
+            <a:spLocks noGrp="1"/>
+          </p:cNvSpPr>
+          <p:nvPr>
+            <p:ph type="sldNum" sz="quarter" idx="5"/>
+          </p:nvPr>
+        </p:nvSpPr>
+        <p:spPr/>
+        <p:txBody>
+          <a:bodyPr/>
+          <a:lstStyle/>
+          <a:p>
+            <a:fld id="{4A49BABE-341D-BC41-9A2A-9DF836C951F1}" type="slidenum">
+              <a:rPr lang="en-US" smtClean="0"/>
+              <a:t>6</a:t>
+            </a:fld>
+            <a:endParaRPr lang="en-US"/>
+          </a:p>
+        </p:txBody>
+      </p:sp>
+    </p:spTree>
+    <p:extLst>
+      <p:ext uri="{BB962C8B-B14F-4D97-AF65-F5344CB8AC3E}">
+        <p14:creationId xmlns:p14="http://schemas.microsoft.com/office/powerpoint/2010/main" val="4024715460"/>
+      </p:ext>
+    </p:extLst>
+  </p:cSld>
+  <p:clrMapOvr>
+    <a:masterClrMapping/>
+  </p:clrMapOvr>
+</p:notes>
+</file>
+
 <file path=ppt/slideLayouts/slideLayout1.xml><?xml version="1.0" encoding="utf-8"?>
 <p:sldLayout xmlns:a="http://schemas.openxmlformats.org/drawingml/2006/main" xmlns:r="http://schemas.openxmlformats.org/officeDocument/2006/relationships" xmlns:p="http://schemas.openxmlformats.org/presentationml/2006/main" type="title" preserve="1">
   <p:cSld name="Title Slide">
@@ -5422,7 +5692,7 @@
           <a:p>
             <a:fld id="{FCB410A9-FFE9-D54E-BE44-479B486453D5}" type="datetimeFigureOut">
               <a:rPr lang="en-US" smtClean="0"/>
-              <a:t>9/25/19</a:t>
+              <a:t>9/25/2019</a:t>
             </a:fld>
             <a:endParaRPr lang="en-US"/>
           </a:p>
@@ -5620,7 +5890,7 @@
           <a:p>
             <a:fld id="{FCB410A9-FFE9-D54E-BE44-479B486453D5}" type="datetimeFigureOut">
               <a:rPr lang="en-US" smtClean="0"/>
-              <a:t>9/25/19</a:t>
+              <a:t>9/25/2019</a:t>
             </a:fld>
             <a:endParaRPr lang="en-US"/>
           </a:p>
@@ -5828,7 +6098,7 @@
           <a:p>
             <a:fld id="{FCB410A9-FFE9-D54E-BE44-479B486453D5}" type="datetimeFigureOut">
               <a:rPr lang="en-US" smtClean="0"/>
-              <a:t>9/25/19</a:t>
+              <a:t>9/25/2019</a:t>
             </a:fld>
             <a:endParaRPr lang="en-US"/>
           </a:p>
@@ -6026,7 +6296,7 @@
           <a:p>
             <a:fld id="{FCB410A9-FFE9-D54E-BE44-479B486453D5}" type="datetimeFigureOut">
               <a:rPr lang="en-US" smtClean="0"/>
-              <a:t>9/25/19</a:t>
+              <a:t>9/25/2019</a:t>
             </a:fld>
             <a:endParaRPr lang="en-US"/>
           </a:p>
@@ -6301,7 +6571,7 @@
           <a:p>
             <a:fld id="{FCB410A9-FFE9-D54E-BE44-479B486453D5}" type="datetimeFigureOut">
               <a:rPr lang="en-US" smtClean="0"/>
-              <a:t>9/25/19</a:t>
+              <a:t>9/25/2019</a:t>
             </a:fld>
             <a:endParaRPr lang="en-US"/>
           </a:p>
@@ -6566,7 +6836,7 @@
           <a:p>
             <a:fld id="{FCB410A9-FFE9-D54E-BE44-479B486453D5}" type="datetimeFigureOut">
               <a:rPr lang="en-US" smtClean="0"/>
-              <a:t>9/25/19</a:t>
+              <a:t>9/25/2019</a:t>
             </a:fld>
             <a:endParaRPr lang="en-US"/>
           </a:p>
@@ -6978,7 +7248,7 @@
           <a:p>
             <a:fld id="{FCB410A9-FFE9-D54E-BE44-479B486453D5}" type="datetimeFigureOut">
               <a:rPr lang="en-US" smtClean="0"/>
-              <a:t>9/25/19</a:t>
+              <a:t>9/25/2019</a:t>
             </a:fld>
             <a:endParaRPr lang="en-US"/>
           </a:p>
@@ -7119,7 +7389,7 @@
           <a:p>
             <a:fld id="{FCB410A9-FFE9-D54E-BE44-479B486453D5}" type="datetimeFigureOut">
               <a:rPr lang="en-US" smtClean="0"/>
-              <a:t>9/25/19</a:t>
+              <a:t>9/25/2019</a:t>
             </a:fld>
             <a:endParaRPr lang="en-US"/>
           </a:p>
@@ -7232,7 +7502,7 @@
           <a:p>
             <a:fld id="{FCB410A9-FFE9-D54E-BE44-479B486453D5}" type="datetimeFigureOut">
               <a:rPr lang="en-US" smtClean="0"/>
-              <a:t>9/25/19</a:t>
+              <a:t>9/25/2019</a:t>
             </a:fld>
             <a:endParaRPr lang="en-US"/>
           </a:p>
@@ -7543,7 +7813,7 @@
           <a:p>
             <a:fld id="{FCB410A9-FFE9-D54E-BE44-479B486453D5}" type="datetimeFigureOut">
               <a:rPr lang="en-US" smtClean="0"/>
-              <a:t>9/25/19</a:t>
+              <a:t>9/25/2019</a:t>
             </a:fld>
             <a:endParaRPr lang="en-US"/>
           </a:p>
@@ -7831,7 +8101,7 @@
           <a:p>
             <a:fld id="{FCB410A9-FFE9-D54E-BE44-479B486453D5}" type="datetimeFigureOut">
               <a:rPr lang="en-US" smtClean="0"/>
-              <a:t>9/25/19</a:t>
+              <a:t>9/25/2019</a:t>
             </a:fld>
             <a:endParaRPr lang="en-US"/>
           </a:p>
@@ -8072,7 +8342,7 @@
           <a:p>
             <a:fld id="{FCB410A9-FFE9-D54E-BE44-479B486453D5}" type="datetimeFigureOut">
               <a:rPr lang="en-US" smtClean="0"/>
-              <a:t>9/25/19</a:t>
+              <a:t>9/25/2019</a:t>
             </a:fld>
             <a:endParaRPr lang="en-US"/>
           </a:p>
@@ -10195,10 +10465,10 @@
       </p:grpSpPr>
       <p:cxnSp>
         <p:nvCxnSpPr>
-          <p:cNvPr id="26" name="Straight Connector 25">
+          <p:cNvPr id="44" name="Straight Connector 43">
             <a:extLst>
               <a:ext uri="{FF2B5EF4-FFF2-40B4-BE49-F238E27FC236}">
-                <a16:creationId xmlns:a16="http://schemas.microsoft.com/office/drawing/2014/main" id="{F75C6E26-75EF-CC46-9732-73130CF6343E}"/>
+                <a16:creationId xmlns:a16="http://schemas.microsoft.com/office/drawing/2014/main" id="{D01E2C12-DD31-481B-BE01-10DFF1918D7D}"/>
               </a:ext>
             </a:extLst>
           </p:cNvPr>
@@ -10209,8 +10479,125 @@
         </p:nvCxnSpPr>
         <p:spPr>
           <a:xfrm>
-            <a:off x="6973880" y="3007967"/>
-            <a:ext cx="0" cy="162863"/>
+            <a:off x="3913077" y="3334868"/>
+            <a:ext cx="0" cy="510540"/>
+          </a:xfrm>
+          <a:prstGeom prst="line">
+            <a:avLst/>
+          </a:prstGeom>
+          <a:ln w="15875">
+            <a:solidFill>
+              <a:srgbClr val="FF0000"/>
+            </a:solidFill>
+          </a:ln>
+        </p:spPr>
+        <p:style>
+          <a:lnRef idx="1">
+            <a:schemeClr val="accent1"/>
+          </a:lnRef>
+          <a:fillRef idx="0">
+            <a:schemeClr val="accent1"/>
+          </a:fillRef>
+          <a:effectRef idx="0">
+            <a:schemeClr val="accent1"/>
+          </a:effectRef>
+          <a:fontRef idx="minor">
+            <a:schemeClr val="tx1"/>
+          </a:fontRef>
+        </p:style>
+      </p:cxnSp>
+      <p:cxnSp>
+        <p:nvCxnSpPr>
+          <p:cNvPr id="45" name="Straight Connector 44">
+            <a:extLst>
+              <a:ext uri="{FF2B5EF4-FFF2-40B4-BE49-F238E27FC236}">
+                <a16:creationId xmlns:a16="http://schemas.microsoft.com/office/drawing/2014/main" id="{459E62D5-CEBC-4FC4-A265-B70536AA7362}"/>
+              </a:ext>
+            </a:extLst>
+          </p:cNvPr>
+          <p:cNvCxnSpPr>
+            <a:cxnSpLocks/>
+          </p:cNvCxnSpPr>
+          <p:nvPr/>
+        </p:nvCxnSpPr>
+        <p:spPr>
+          <a:xfrm>
+            <a:off x="3696320" y="3433928"/>
+            <a:ext cx="0" cy="199525"/>
+          </a:xfrm>
+          <a:prstGeom prst="line">
+            <a:avLst/>
+          </a:prstGeom>
+          <a:ln w="15875">
+            <a:solidFill>
+              <a:srgbClr val="FF0000"/>
+            </a:solidFill>
+          </a:ln>
+        </p:spPr>
+        <p:style>
+          <a:lnRef idx="1">
+            <a:schemeClr val="accent1"/>
+          </a:lnRef>
+          <a:fillRef idx="0">
+            <a:schemeClr val="accent1"/>
+          </a:fillRef>
+          <a:effectRef idx="0">
+            <a:schemeClr val="accent1"/>
+          </a:effectRef>
+          <a:fontRef idx="minor">
+            <a:schemeClr val="tx1"/>
+          </a:fontRef>
+        </p:style>
+      </p:cxnSp>
+      <p:graphicFrame>
+        <p:nvGraphicFramePr>
+          <p:cNvPr id="10" name="Content Placeholder 4">
+            <a:extLst>
+              <a:ext uri="{FF2B5EF4-FFF2-40B4-BE49-F238E27FC236}">
+                <a16:creationId xmlns:a16="http://schemas.microsoft.com/office/drawing/2014/main" id="{A894A2C7-B94F-5149-AEBA-A8702C71C5C1}"/>
+              </a:ext>
+            </a:extLst>
+          </p:cNvPr>
+          <p:cNvGraphicFramePr>
+            <a:graphicFrameLocks noGrp="1"/>
+          </p:cNvGraphicFramePr>
+          <p:nvPr>
+            <p:ph idx="1"/>
+            <p:extLst>
+              <p:ext uri="{D42A27DB-BD31-4B8C-83A1-F6EECF244321}">
+                <p14:modId xmlns:p14="http://schemas.microsoft.com/office/powerpoint/2010/main" val="645129304"/>
+              </p:ext>
+            </p:extLst>
+          </p:nvPr>
+        </p:nvGraphicFramePr>
+        <p:xfrm>
+          <a:off x="76908" y="694114"/>
+          <a:ext cx="7784355" cy="4492656"/>
+        </p:xfrm>
+        <a:graphic>
+          <a:graphicData uri="http://schemas.openxmlformats.org/drawingml/2006/chart">
+            <c:chart xmlns:c="http://schemas.openxmlformats.org/drawingml/2006/chart" xmlns:r="http://schemas.openxmlformats.org/officeDocument/2006/relationships" r:id="rId3"/>
+          </a:graphicData>
+        </a:graphic>
+      </p:graphicFrame>
+      <p:cxnSp>
+        <p:nvCxnSpPr>
+          <p:cNvPr id="26" name="Straight Connector 25">
+            <a:extLst>
+              <a:ext uri="{FF2B5EF4-FFF2-40B4-BE49-F238E27FC236}">
+                <a16:creationId xmlns:a16="http://schemas.microsoft.com/office/drawing/2014/main" id="{F75C6E26-75EF-CC46-9732-73130CF6343E}"/>
+              </a:ext>
+            </a:extLst>
+          </p:cNvPr>
+          <p:cNvCxnSpPr>
+            <a:cxnSpLocks/>
+          </p:cNvCxnSpPr>
+          <p:nvPr/>
+        </p:nvCxnSpPr>
+        <p:spPr>
+          <a:xfrm>
+            <a:off x="4777415" y="2890097"/>
+            <a:ext cx="0" cy="261891"/>
           </a:xfrm>
           <a:prstGeom prst="line">
             <a:avLst/>
@@ -10252,8 +10639,8 @@
         </p:nvCxnSpPr>
         <p:spPr>
           <a:xfrm>
-            <a:off x="5803472" y="3616657"/>
-            <a:ext cx="0" cy="239063"/>
+            <a:off x="5000832" y="2770685"/>
+            <a:ext cx="0" cy="101268"/>
           </a:xfrm>
           <a:prstGeom prst="line">
             <a:avLst/>
@@ -10295,8 +10682,8 @@
         </p:nvCxnSpPr>
         <p:spPr>
           <a:xfrm>
-            <a:off x="5803472" y="2957015"/>
-            <a:ext cx="0" cy="659642"/>
+            <a:off x="3918792" y="3035603"/>
+            <a:ext cx="0" cy="278945"/>
           </a:xfrm>
           <a:prstGeom prst="line">
             <a:avLst/>
@@ -10338,8 +10725,8 @@
         </p:nvCxnSpPr>
         <p:spPr>
           <a:xfrm>
-            <a:off x="6680263" y="2754573"/>
-            <a:ext cx="0" cy="416257"/>
+            <a:off x="6074473" y="1585508"/>
+            <a:ext cx="0" cy="640650"/>
           </a:xfrm>
           <a:prstGeom prst="line">
             <a:avLst/>
@@ -10381,51 +10768,8 @@
         </p:nvCxnSpPr>
         <p:spPr>
           <a:xfrm>
-            <a:off x="5515123" y="3616657"/>
-            <a:ext cx="0" cy="172871"/>
-          </a:xfrm>
-          <a:prstGeom prst="line">
-            <a:avLst/>
-          </a:prstGeom>
-          <a:ln w="15875">
-            <a:solidFill>
-              <a:schemeClr val="accent6"/>
-            </a:solidFill>
-          </a:ln>
-        </p:spPr>
-        <p:style>
-          <a:lnRef idx="1">
-            <a:schemeClr val="accent1"/>
-          </a:lnRef>
-          <a:fillRef idx="0">
-            <a:schemeClr val="accent1"/>
-          </a:fillRef>
-          <a:effectRef idx="0">
-            <a:schemeClr val="accent1"/>
-          </a:effectRef>
-          <a:fontRef idx="minor">
-            <a:schemeClr val="tx1"/>
-          </a:fontRef>
-        </p:style>
-      </p:cxnSp>
-      <p:cxnSp>
-        <p:nvCxnSpPr>
-          <p:cNvPr id="22" name="Straight Connector 21">
-            <a:extLst>
-              <a:ext uri="{FF2B5EF4-FFF2-40B4-BE49-F238E27FC236}">
-                <a16:creationId xmlns:a16="http://schemas.microsoft.com/office/drawing/2014/main" id="{75BBD881-BD45-4C43-88A3-158B2084F6F0}"/>
-              </a:ext>
-            </a:extLst>
-          </p:cNvPr>
-          <p:cNvCxnSpPr>
-            <a:cxnSpLocks/>
-          </p:cNvCxnSpPr>
-          <p:nvPr/>
-        </p:nvCxnSpPr>
-        <p:spPr>
-          <a:xfrm>
-            <a:off x="8731181" y="1492154"/>
-            <a:ext cx="0" cy="573207"/>
+            <a:off x="4565163" y="2831948"/>
+            <a:ext cx="0" cy="159142"/>
           </a:xfrm>
           <a:prstGeom prst="line">
             <a:avLst/>
@@ -10746,8 +11090,8 @@
         </p:nvCxnSpPr>
         <p:spPr>
           <a:xfrm flipV="1">
-            <a:off x="4233224" y="1345324"/>
-            <a:ext cx="5864772" cy="3121574"/>
+            <a:off x="2780549" y="1829405"/>
+            <a:ext cx="4069724" cy="2076963"/>
           </a:xfrm>
           <a:prstGeom prst="line">
             <a:avLst/>
@@ -10773,8 +11117,8 @@
           </a:fontRef>
         </p:style>
       </p:cxnSp>
-      <mc:AlternateContent xmlns:mc="http://schemas.openxmlformats.org/markup-compatibility/2006" xmlns:a14="http://schemas.microsoft.com/office/drawing/2010/main">
-        <mc:Choice Requires="a14">
+      <mc:AlternateContent xmlns:mc="http://schemas.openxmlformats.org/markup-compatibility/2006">
+        <mc:Choice xmlns:a14="http://schemas.microsoft.com/office/drawing/2010/main" Requires="a14">
           <p:sp>
             <p:nvSpPr>
               <p:cNvPr id="11" name="TextBox 10">
@@ -10789,8 +11133,8 @@
             </p:nvSpPr>
             <p:spPr>
               <a:xfrm>
-                <a:off x="9395781" y="5835955"/>
-                <a:ext cx="2515051" cy="553998"/>
+                <a:off x="7757166" y="1179079"/>
+                <a:ext cx="4314869" cy="553998"/>
               </a:xfrm>
               <a:prstGeom prst="rect">
                 <a:avLst/>
@@ -10809,160 +11153,226 @@
               <a:lstStyle/>
               <a:p>
                 <a14:m>
-                  <m:oMath xmlns:m="http://schemas.openxmlformats.org/officeDocument/2006/math">
-                    <m:r>
-                      <a:rPr lang="vi-VN" sz="3000" b="0" i="1" smtClean="0">
-                        <a:solidFill>
-                          <a:schemeClr val="bg1"/>
-                        </a:solidFill>
-                        <a:latin typeface="Cambria Math" panose="02040503050406030204" pitchFamily="18" charset="0"/>
-                      </a:rPr>
-                      <m:t>𝑦</m:t>
-                    </m:r>
-                    <m:r>
-                      <a:rPr lang="vi-VN" sz="3000" b="0" i="1" smtClean="0">
-                        <a:solidFill>
-                          <a:schemeClr val="bg1"/>
-                        </a:solidFill>
-                        <a:latin typeface="Cambria Math" panose="02040503050406030204" pitchFamily="18" charset="0"/>
-                      </a:rPr>
-                      <m:t>= </m:t>
-                    </m:r>
-                    <m:sSub>
-                      <m:sSubPr>
-                        <m:ctrlPr>
-                          <a:rPr lang="vi-VN" sz="3000" b="0" i="1" smtClean="0">
-                            <a:solidFill>
-                              <a:schemeClr val="bg1"/>
-                            </a:solidFill>
-                            <a:latin typeface="Cambria Math" panose="02040503050406030204" pitchFamily="18" charset="0"/>
-                          </a:rPr>
-                        </m:ctrlPr>
-                      </m:sSubPr>
-                      <m:e>
-                        <m:r>
-                          <m:rPr>
-                            <m:sty m:val="p"/>
-                          </m:rPr>
-                          <a:rPr lang="vi-VN" sz="3000" i="1">
-                            <a:solidFill>
-                              <a:schemeClr val="bg1"/>
-                            </a:solidFill>
-                            <a:latin typeface="Cambria Math" panose="02040503050406030204" pitchFamily="18" charset="0"/>
-                          </a:rPr>
-                          <m:t>b</m:t>
-                        </m:r>
-                      </m:e>
-                      <m:sub>
-                        <m:r>
-                          <a:rPr lang="vi-VN" sz="3000" b="0" i="1" smtClean="0">
-                            <a:solidFill>
-                              <a:schemeClr val="bg1"/>
-                            </a:solidFill>
-                            <a:latin typeface="Cambria Math" panose="02040503050406030204" pitchFamily="18" charset="0"/>
-                          </a:rPr>
-                          <m:t>0</m:t>
-                        </m:r>
-                      </m:sub>
-                    </m:sSub>
-                  </m:oMath>
-                </a14:m>
-                <a:r>
-                  <a:rPr lang="en-US" sz="3000" dirty="0">
-                    <a:solidFill>
-                      <a:schemeClr val="bg1"/>
-                    </a:solidFill>
-                  </a:rPr>
-                  <a:t> + </a:t>
-                </a:r>
-                <a14:m>
-                  <m:oMath xmlns:m="http://schemas.openxmlformats.org/officeDocument/2006/math">
-                    <m:sSub>
-                      <m:sSubPr>
-                        <m:ctrlPr>
-                          <a:rPr lang="vi-VN" sz="3000" i="1">
-                            <a:solidFill>
-                              <a:schemeClr val="bg1"/>
-                            </a:solidFill>
-                            <a:latin typeface="Cambria Math" panose="02040503050406030204" pitchFamily="18" charset="0"/>
-                          </a:rPr>
-                        </m:ctrlPr>
-                      </m:sSubPr>
-                      <m:e>
-                        <m:r>
-                          <m:rPr>
-                            <m:sty m:val="p"/>
-                          </m:rPr>
-                          <a:rPr lang="vi-VN" sz="3000" i="1">
-                            <a:solidFill>
-                              <a:schemeClr val="bg1"/>
-                            </a:solidFill>
-                            <a:latin typeface="Cambria Math" panose="02040503050406030204" pitchFamily="18" charset="0"/>
-                          </a:rPr>
-                          <m:t>b</m:t>
-                        </m:r>
-                      </m:e>
-                      <m:sub>
-                        <m:r>
-                          <a:rPr lang="vi-VN" sz="3000" b="0" i="1" smtClean="0">
-                            <a:solidFill>
-                              <a:schemeClr val="bg1"/>
-                            </a:solidFill>
-                            <a:latin typeface="Cambria Math" panose="02040503050406030204" pitchFamily="18" charset="0"/>
-                          </a:rPr>
-                          <m:t>1</m:t>
-                        </m:r>
-                      </m:sub>
-                    </m:sSub>
-                    <m:sSub>
-                      <m:sSubPr>
-                        <m:ctrlPr>
-                          <a:rPr lang="vi-VN" sz="3000" i="1">
-                            <a:solidFill>
-                              <a:schemeClr val="bg1"/>
-                            </a:solidFill>
-                            <a:latin typeface="Cambria Math" panose="02040503050406030204" pitchFamily="18" charset="0"/>
-                          </a:rPr>
-                        </m:ctrlPr>
-                      </m:sSubPr>
-                      <m:e>
-                        <m:r>
-                          <m:rPr>
-                            <m:sty m:val="p"/>
-                          </m:rPr>
-                          <a:rPr lang="vi-VN" sz="3000" i="1" smtClean="0">
-                            <a:solidFill>
-                              <a:schemeClr val="bg1"/>
-                            </a:solidFill>
-                            <a:latin typeface="Cambria Math" panose="02040503050406030204" pitchFamily="18" charset="0"/>
-                          </a:rPr>
-                          <m:t>x</m:t>
-                        </m:r>
-                      </m:e>
-                      <m:sub>
-                        <m:r>
-                          <a:rPr lang="vi-VN" sz="3000" i="1">
-                            <a:solidFill>
-                              <a:schemeClr val="bg1"/>
-                            </a:solidFill>
-                            <a:latin typeface="Cambria Math" panose="02040503050406030204" pitchFamily="18" charset="0"/>
-                          </a:rPr>
-                          <m:t>1</m:t>
-                        </m:r>
-                      </m:sub>
-                    </m:sSub>
-                  </m:oMath>
+                  <m:oMathPara xmlns:m="http://schemas.openxmlformats.org/officeDocument/2006/math">
+                    <m:oMathParaPr>
+                      <m:jc m:val="centerGroup"/>
+                    </m:oMathParaPr>
+                    <m:oMath xmlns:m="http://schemas.openxmlformats.org/officeDocument/2006/math">
+                      <m:acc>
+                        <m:accPr>
+                          <m:chr m:val="̂"/>
+                          <m:ctrlPr>
+                            <a:rPr lang="vi-VN" sz="3000" b="0" i="1" smtClean="0">
+                              <a:solidFill>
+                                <a:schemeClr val="tx1"/>
+                              </a:solidFill>
+                              <a:latin typeface="Cambria Math" panose="02040503050406030204" pitchFamily="18" charset="0"/>
+                              <a:ea typeface="Cambria Math" panose="02040503050406030204" pitchFamily="18" charset="0"/>
+                            </a:rPr>
+                          </m:ctrlPr>
+                        </m:accPr>
+                        <m:e>
+                          <m:r>
+                            <a:rPr lang="vi-VN" sz="3000" b="0" i="1" smtClean="0">
+                              <a:solidFill>
+                                <a:schemeClr val="tx1"/>
+                              </a:solidFill>
+                              <a:latin typeface="Cambria Math" panose="02040503050406030204" pitchFamily="18" charset="0"/>
+                              <a:ea typeface="Cambria Math" panose="02040503050406030204" pitchFamily="18" charset="0"/>
+                            </a:rPr>
+                            <m:t>𝑦</m:t>
+                          </m:r>
+                        </m:e>
+                      </m:acc>
+                      <m:r>
+                        <a:rPr lang="vi-VN" sz="3000" b="0" i="1" smtClean="0">
+                          <a:solidFill>
+                            <a:schemeClr val="tx1"/>
+                          </a:solidFill>
+                          <a:latin typeface="Cambria Math" panose="02040503050406030204" pitchFamily="18" charset="0"/>
+                          <a:ea typeface="Cambria Math" panose="02040503050406030204" pitchFamily="18" charset="0"/>
+                        </a:rPr>
+                        <m:t>=</m:t>
+                      </m:r>
+                      <m:r>
+                        <a:rPr lang="en-US" sz="3000" b="0" i="1" smtClean="0">
+                          <a:solidFill>
+                            <a:schemeClr val="tx1"/>
+                          </a:solidFill>
+                          <a:latin typeface="Cambria Math" panose="02040503050406030204" pitchFamily="18" charset="0"/>
+                          <a:ea typeface="Cambria Math" panose="02040503050406030204" pitchFamily="18" charset="0"/>
+                        </a:rPr>
+                        <m:t>𝑓</m:t>
+                      </m:r>
+                      <m:d>
+                        <m:dPr>
+                          <m:ctrlPr>
+                            <a:rPr lang="en-US" sz="3000" b="0" i="1" smtClean="0">
+                              <a:solidFill>
+                                <a:schemeClr val="tx1"/>
+                              </a:solidFill>
+                              <a:latin typeface="Cambria Math" panose="02040503050406030204" pitchFamily="18" charset="0"/>
+                              <a:ea typeface="Cambria Math" panose="02040503050406030204" pitchFamily="18" charset="0"/>
+                            </a:rPr>
+                          </m:ctrlPr>
+                        </m:dPr>
+                        <m:e>
+                          <m:r>
+                            <a:rPr lang="en-US" sz="3000" b="0" i="1" smtClean="0">
+                              <a:solidFill>
+                                <a:schemeClr val="tx1"/>
+                              </a:solidFill>
+                              <a:latin typeface="Cambria Math" panose="02040503050406030204" pitchFamily="18" charset="0"/>
+                              <a:ea typeface="Cambria Math" panose="02040503050406030204" pitchFamily="18" charset="0"/>
+                            </a:rPr>
+                            <m:t>𝑤</m:t>
+                          </m:r>
+                          <m:r>
+                            <a:rPr lang="en-US" sz="3000" b="0" i="1" smtClean="0">
+                              <a:solidFill>
+                                <a:schemeClr val="tx1"/>
+                              </a:solidFill>
+                              <a:latin typeface="Cambria Math" panose="02040503050406030204" pitchFamily="18" charset="0"/>
+                              <a:ea typeface="Cambria Math" panose="02040503050406030204" pitchFamily="18" charset="0"/>
+                            </a:rPr>
+                            <m:t>1</m:t>
+                          </m:r>
+                        </m:e>
+                      </m:d>
+                      <m:r>
+                        <a:rPr lang="en-US" sz="3000" b="0" i="1" smtClean="0">
+                          <a:solidFill>
+                            <a:schemeClr val="tx1"/>
+                          </a:solidFill>
+                          <a:latin typeface="Cambria Math" panose="02040503050406030204" pitchFamily="18" charset="0"/>
+                          <a:ea typeface="Cambria Math" panose="02040503050406030204" pitchFamily="18" charset="0"/>
+                        </a:rPr>
+                        <m:t>=</m:t>
+                      </m:r>
+                      <m:r>
+                        <m:rPr>
+                          <m:nor/>
+                        </m:rPr>
+                        <a:rPr lang="en-US" sz="3000" dirty="0">
+                          <a:latin typeface="Cambria Math" panose="02040503050406030204" pitchFamily="18" charset="0"/>
+                          <a:ea typeface="Cambria Math" panose="02040503050406030204" pitchFamily="18" charset="0"/>
+                        </a:rPr>
+                        <m:t> </m:t>
+                      </m:r>
+                      <m:r>
+                        <a:rPr lang="en-US" sz="3000" b="0" i="1" smtClean="0">
+                          <a:solidFill>
+                            <a:schemeClr val="tx1"/>
+                          </a:solidFill>
+                          <a:latin typeface="Cambria Math" panose="02040503050406030204" pitchFamily="18" charset="0"/>
+                          <a:ea typeface="Cambria Math" panose="02040503050406030204" pitchFamily="18" charset="0"/>
+                        </a:rPr>
+                        <m:t>𝑏</m:t>
+                      </m:r>
+                      <m:r>
+                        <m:rPr>
+                          <m:nor/>
+                        </m:rPr>
+                        <a:rPr lang="en-US" sz="3000" b="0" i="0" smtClean="0">
+                          <a:solidFill>
+                            <a:schemeClr val="tx1"/>
+                          </a:solidFill>
+                          <a:latin typeface="Cambria Math" panose="02040503050406030204" pitchFamily="18" charset="0"/>
+                          <a:ea typeface="Cambria Math" panose="02040503050406030204" pitchFamily="18" charset="0"/>
+                        </a:rPr>
+                        <m:t> </m:t>
+                      </m:r>
+                      <m:r>
+                        <m:rPr>
+                          <m:nor/>
+                        </m:rPr>
+                        <a:rPr lang="en-US" sz="3000" dirty="0">
+                          <a:latin typeface="Cambria Math" panose="02040503050406030204" pitchFamily="18" charset="0"/>
+                          <a:ea typeface="Cambria Math" panose="02040503050406030204" pitchFamily="18" charset="0"/>
+                        </a:rPr>
+                        <m:t>+</m:t>
+                      </m:r>
+                      <m:r>
+                        <m:rPr>
+                          <m:nor/>
+                        </m:rPr>
+                        <a:rPr lang="en-US" sz="3000" b="0" i="0" dirty="0" smtClean="0">
+                          <a:latin typeface="Cambria Math" panose="02040503050406030204" pitchFamily="18" charset="0"/>
+                          <a:ea typeface="Cambria Math" panose="02040503050406030204" pitchFamily="18" charset="0"/>
+                        </a:rPr>
+                        <m:t> </m:t>
+                      </m:r>
+                      <m:sSub>
+                        <m:sSubPr>
+                          <m:ctrlPr>
+                            <a:rPr lang="vi-VN" sz="3000" i="1">
+                              <a:latin typeface="Cambria Math" panose="02040503050406030204" pitchFamily="18" charset="0"/>
+                              <a:ea typeface="Cambria Math" panose="02040503050406030204" pitchFamily="18" charset="0"/>
+                            </a:rPr>
+                          </m:ctrlPr>
+                        </m:sSubPr>
+                        <m:e>
+                          <m:r>
+                            <a:rPr lang="vi-VN" sz="3000" i="1">
+                              <a:latin typeface="Cambria Math" panose="02040503050406030204" pitchFamily="18" charset="0"/>
+                              <a:ea typeface="Cambria Math" panose="02040503050406030204" pitchFamily="18" charset="0"/>
+                            </a:rPr>
+                            <m:t>𝑏</m:t>
+                          </m:r>
+                        </m:e>
+                        <m:sub>
+                          <m:r>
+                            <a:rPr lang="vi-VN" sz="3000" i="1">
+                              <a:latin typeface="Cambria Math" panose="02040503050406030204" pitchFamily="18" charset="0"/>
+                              <a:ea typeface="Cambria Math" panose="02040503050406030204" pitchFamily="18" charset="0"/>
+                            </a:rPr>
+                            <m:t>1</m:t>
+                          </m:r>
+                        </m:sub>
+                      </m:sSub>
+                      <m:sSub>
+                        <m:sSubPr>
+                          <m:ctrlPr>
+                            <a:rPr lang="vi-VN" sz="3000" i="1">
+                              <a:latin typeface="Cambria Math" panose="02040503050406030204" pitchFamily="18" charset="0"/>
+                              <a:ea typeface="Cambria Math" panose="02040503050406030204" pitchFamily="18" charset="0"/>
+                            </a:rPr>
+                          </m:ctrlPr>
+                        </m:sSubPr>
+                        <m:e>
+                          <m:r>
+                            <a:rPr lang="en-US" sz="3000" b="0" i="1" smtClean="0">
+                              <a:latin typeface="Cambria Math" panose="02040503050406030204" pitchFamily="18" charset="0"/>
+                              <a:ea typeface="Cambria Math" panose="02040503050406030204" pitchFamily="18" charset="0"/>
+                            </a:rPr>
+                            <m:t>𝑤</m:t>
+                          </m:r>
+                        </m:e>
+                        <m:sub>
+                          <m:r>
+                            <a:rPr lang="vi-VN" sz="3000" i="1">
+                              <a:latin typeface="Cambria Math" panose="02040503050406030204" pitchFamily="18" charset="0"/>
+                              <a:ea typeface="Cambria Math" panose="02040503050406030204" pitchFamily="18" charset="0"/>
+                            </a:rPr>
+                            <m:t>1</m:t>
+                          </m:r>
+                        </m:sub>
+                      </m:sSub>
+                    </m:oMath>
+                  </m:oMathPara>
                 </a14:m>
                 <a:endParaRPr lang="en-US" sz="3000" dirty="0">
                   <a:solidFill>
-                    <a:schemeClr val="bg1"/>
+                    <a:schemeClr val="tx1"/>
                   </a:solidFill>
+                  <a:latin typeface="Cambria Math" panose="02040503050406030204" pitchFamily="18" charset="0"/>
+                  <a:ea typeface="Cambria Math" panose="02040503050406030204" pitchFamily="18" charset="0"/>
                 </a:endParaRPr>
               </a:p>
             </p:txBody>
           </p:sp>
         </mc:Choice>
-        <mc:Fallback xmlns="">
+        <mc:Fallback>
           <p:sp>
             <p:nvSpPr>
               <p:cNvPr id="11" name="TextBox 10">
@@ -10979,16 +11389,16 @@
             </p:nvSpPr>
             <p:spPr>
               <a:xfrm>
-                <a:off x="9395781" y="5835955"/>
-                <a:ext cx="2515051" cy="553998"/>
+                <a:off x="7757166" y="1179079"/>
+                <a:ext cx="4314869" cy="553998"/>
               </a:xfrm>
               <a:prstGeom prst="rect">
                 <a:avLst/>
               </a:prstGeom>
               <a:blipFill>
-                <a:blip r:embed="rId3"/>
+                <a:blip r:embed="rId4"/>
                 <a:stretch>
-                  <a:fillRect l="-1500" t="-11111" b="-28889"/>
+                  <a:fillRect/>
                 </a:stretch>
               </a:blipFill>
               <a:ln>
@@ -11012,37 +11422,296 @@
           </p:sp>
         </mc:Fallback>
       </mc:AlternateContent>
-      <p:graphicFrame>
-        <p:nvGraphicFramePr>
-          <p:cNvPr id="10" name="Content Placeholder 4">
-            <a:extLst>
-              <a:ext uri="{FF2B5EF4-FFF2-40B4-BE49-F238E27FC236}">
-                <a16:creationId xmlns:a16="http://schemas.microsoft.com/office/drawing/2014/main" id="{A894A2C7-B94F-5149-AEBA-A8702C71C5C1}"/>
-              </a:ext>
-            </a:extLst>
-          </p:cNvPr>
-          <p:cNvGraphicFramePr>
-            <a:graphicFrameLocks noGrp="1"/>
-          </p:cNvGraphicFramePr>
-          <p:nvPr>
-            <p:ph idx="1"/>
-            <p:extLst>
-              <p:ext uri="{D42A27DB-BD31-4B8C-83A1-F6EECF244321}">
-                <p14:modId xmlns:p14="http://schemas.microsoft.com/office/powerpoint/2010/main" val="3081966655"/>
-              </p:ext>
-            </p:extLst>
-          </p:nvPr>
-        </p:nvGraphicFramePr>
-        <p:xfrm>
-          <a:off x="625548" y="643466"/>
-          <a:ext cx="10515600" cy="4492656"/>
-        </p:xfrm>
-        <a:graphic>
-          <a:graphicData uri="http://schemas.openxmlformats.org/drawingml/2006/chart">
-            <c:chart xmlns:c="http://schemas.openxmlformats.org/drawingml/2006/chart" xmlns:r="http://schemas.openxmlformats.org/officeDocument/2006/relationships" r:id="rId4"/>
-          </a:graphicData>
-        </a:graphic>
-      </p:graphicFrame>
+      <mc:AlternateContent xmlns:mc="http://schemas.openxmlformats.org/markup-compatibility/2006">
+        <mc:Choice xmlns:a14="http://schemas.microsoft.com/office/drawing/2010/main" Requires="a14">
+          <p:sp>
+            <p:nvSpPr>
+              <p:cNvPr id="51" name="TextBox 50">
+                <a:extLst>
+                  <a:ext uri="{FF2B5EF4-FFF2-40B4-BE49-F238E27FC236}">
+                    <a16:creationId xmlns:a16="http://schemas.microsoft.com/office/drawing/2014/main" id="{52B54484-A308-445B-9CD1-927E5E5C2F99}"/>
+                  </a:ext>
+                </a:extLst>
+              </p:cNvPr>
+              <p:cNvSpPr txBox="1"/>
+              <p:nvPr/>
+            </p:nvSpPr>
+            <p:spPr>
+              <a:xfrm>
+                <a:off x="7572562" y="1969322"/>
+                <a:ext cx="4598216" cy="1490601"/>
+              </a:xfrm>
+              <a:prstGeom prst="rect">
+                <a:avLst/>
+              </a:prstGeom>
+              <a:noFill/>
+              <a:ln>
+                <a:solidFill>
+                  <a:schemeClr val="bg1"/>
+                </a:solidFill>
+              </a:ln>
+            </p:spPr>
+            <p:txBody>
+              <a:bodyPr wrap="square" rtlCol="0">
+                <a:spAutoFit/>
+              </a:bodyPr>
+              <a:lstStyle/>
+              <a:p>
+                <a14:m>
+                  <m:oMathPara xmlns:m="http://schemas.openxmlformats.org/officeDocument/2006/math">
+                    <m:oMathParaPr>
+                      <m:jc m:val="centerGroup"/>
+                    </m:oMathParaPr>
+                    <m:oMath xmlns:m="http://schemas.openxmlformats.org/officeDocument/2006/math">
+                      <m:r>
+                        <a:rPr lang="en-US" sz="3000" b="0" i="1" smtClean="0">
+                          <a:solidFill>
+                            <a:schemeClr val="tx1"/>
+                          </a:solidFill>
+                          <a:latin typeface="Cambria Math" panose="02040503050406030204" pitchFamily="18" charset="0"/>
+                        </a:rPr>
+                        <m:t>𝑙𝑜𝑠𝑠</m:t>
+                      </m:r>
+                      <m:r>
+                        <a:rPr lang="pt-BR" sz="3000" b="0" i="1" smtClean="0">
+                          <a:solidFill>
+                            <a:schemeClr val="tx1"/>
+                          </a:solidFill>
+                          <a:latin typeface="Cambria Math" panose="02040503050406030204" pitchFamily="18" charset="0"/>
+                        </a:rPr>
+                        <m:t>=</m:t>
+                      </m:r>
+                      <m:nary>
+                        <m:naryPr>
+                          <m:chr m:val="∑"/>
+                          <m:ctrlPr>
+                            <a:rPr lang="pt-BR" sz="3000" b="0" i="1" smtClean="0">
+                              <a:solidFill>
+                                <a:schemeClr val="tx1"/>
+                              </a:solidFill>
+                              <a:latin typeface="Cambria Math" panose="02040503050406030204" pitchFamily="18" charset="0"/>
+                            </a:rPr>
+                          </m:ctrlPr>
+                        </m:naryPr>
+                        <m:sub>
+                          <m:r>
+                            <m:rPr>
+                              <m:brk m:alnAt="23"/>
+                            </m:rPr>
+                            <a:rPr lang="en-US" sz="3000" b="0" i="1" smtClean="0">
+                              <a:solidFill>
+                                <a:schemeClr val="tx1"/>
+                              </a:solidFill>
+                              <a:latin typeface="Cambria Math" panose="02040503050406030204" pitchFamily="18" charset="0"/>
+                            </a:rPr>
+                            <m:t>(</m:t>
+                          </m:r>
+                          <m:r>
+                            <a:rPr lang="en-US" sz="3000" b="0" i="1" smtClean="0">
+                              <a:solidFill>
+                                <a:schemeClr val="tx1"/>
+                              </a:solidFill>
+                              <a:latin typeface="Cambria Math" panose="02040503050406030204" pitchFamily="18" charset="0"/>
+                            </a:rPr>
+                            <m:t>𝑥</m:t>
+                          </m:r>
+                          <m:r>
+                            <a:rPr lang="en-US" sz="3000" b="0" i="1" smtClean="0">
+                              <a:solidFill>
+                                <a:schemeClr val="tx1"/>
+                              </a:solidFill>
+                              <a:latin typeface="Cambria Math" panose="02040503050406030204" pitchFamily="18" charset="0"/>
+                            </a:rPr>
+                            <m:t>,</m:t>
+                          </m:r>
+                          <m:r>
+                            <a:rPr lang="en-US" sz="3000" b="0" i="1" smtClean="0">
+                              <a:solidFill>
+                                <a:schemeClr val="tx1"/>
+                              </a:solidFill>
+                              <a:latin typeface="Cambria Math" panose="02040503050406030204" pitchFamily="18" charset="0"/>
+                            </a:rPr>
+                            <m:t>𝑦</m:t>
+                          </m:r>
+                          <m:r>
+                            <a:rPr lang="en-US" sz="3000" b="0" i="1" smtClean="0">
+                              <a:solidFill>
+                                <a:schemeClr val="tx1"/>
+                              </a:solidFill>
+                              <a:latin typeface="Cambria Math" panose="02040503050406030204" pitchFamily="18" charset="0"/>
+                            </a:rPr>
+                            <m:t> </m:t>
+                          </m:r>
+                          <m:r>
+                            <a:rPr lang="en-US" sz="3000" b="0" i="1" smtClean="0">
+                              <a:solidFill>
+                                <a:schemeClr val="tx1"/>
+                              </a:solidFill>
+                              <a:latin typeface="Cambria Math" panose="02040503050406030204" pitchFamily="18" charset="0"/>
+                            </a:rPr>
+                            <m:t>∈</m:t>
+                          </m:r>
+                          <m:r>
+                            <a:rPr lang="en-US" sz="3000" b="0" i="1" smtClean="0">
+                              <a:solidFill>
+                                <a:schemeClr val="tx1"/>
+                              </a:solidFill>
+                              <a:latin typeface="Cambria Math" panose="02040503050406030204" pitchFamily="18" charset="0"/>
+                            </a:rPr>
+                            <m:t>𝐷</m:t>
+                          </m:r>
+                          <m:r>
+                            <m:rPr>
+                              <m:brk m:alnAt="23"/>
+                            </m:rPr>
+                            <a:rPr lang="en-US" sz="3000" b="0" i="1" smtClean="0">
+                              <a:solidFill>
+                                <a:schemeClr val="tx1"/>
+                              </a:solidFill>
+                              <a:latin typeface="Cambria Math" panose="02040503050406030204" pitchFamily="18" charset="0"/>
+                            </a:rPr>
+                            <m:t>)</m:t>
+                          </m:r>
+                        </m:sub>
+                        <m:sup/>
+                        <m:e>
+                          <m:sSup>
+                            <m:sSupPr>
+                              <m:ctrlPr>
+                                <a:rPr lang="pt-BR" sz="3000" b="0" i="1" smtClean="0">
+                                  <a:solidFill>
+                                    <a:schemeClr val="tx1"/>
+                                  </a:solidFill>
+                                  <a:latin typeface="Cambria Math" panose="02040503050406030204" pitchFamily="18" charset="0"/>
+                                </a:rPr>
+                              </m:ctrlPr>
+                            </m:sSupPr>
+                            <m:e>
+                              <m:r>
+                                <a:rPr lang="en-US" sz="3000" i="1">
+                                  <a:latin typeface="Cambria Math" panose="02040503050406030204" pitchFamily="18" charset="0"/>
+                                </a:rPr>
+                                <m:t>(</m:t>
+                              </m:r>
+                              <m:r>
+                                <a:rPr lang="en-US" sz="3000" i="1">
+                                  <a:latin typeface="Cambria Math" panose="02040503050406030204" pitchFamily="18" charset="0"/>
+                                </a:rPr>
+                                <m:t>𝑦</m:t>
+                              </m:r>
+                              <m:r>
+                                <a:rPr lang="en-US" sz="3000" i="1">
+                                  <a:latin typeface="Cambria Math" panose="02040503050406030204" pitchFamily="18" charset="0"/>
+                                </a:rPr>
+                                <m:t>−</m:t>
+                              </m:r>
+                              <m:r>
+                                <a:rPr lang="en-US" sz="3000" i="1">
+                                  <a:latin typeface="Cambria Math" panose="02040503050406030204" pitchFamily="18" charset="0"/>
+                                </a:rPr>
+                                <m:t>𝑓</m:t>
+                              </m:r>
+                              <m:r>
+                                <a:rPr lang="en-US" sz="3000" i="1">
+                                  <a:latin typeface="Cambria Math" panose="02040503050406030204" pitchFamily="18" charset="0"/>
+                                </a:rPr>
+                                <m:t>(</m:t>
+                              </m:r>
+                              <m:r>
+                                <a:rPr lang="en-US" sz="3000" b="0" i="1" smtClean="0">
+                                  <a:latin typeface="Cambria Math" panose="02040503050406030204" pitchFamily="18" charset="0"/>
+                                </a:rPr>
+                                <m:t>𝑥</m:t>
+                              </m:r>
+                              <m:r>
+                                <a:rPr lang="en-US" sz="3000" i="1">
+                                  <a:latin typeface="Cambria Math" panose="02040503050406030204" pitchFamily="18" charset="0"/>
+                                </a:rPr>
+                                <m:t>)</m:t>
+                              </m:r>
+                              <m:r>
+                                <a:rPr lang="en-US" sz="3000" i="1">
+                                  <a:latin typeface="Cambria Math" panose="02040503050406030204" pitchFamily="18" charset="0"/>
+                                </a:rPr>
+                                <m:t>)</m:t>
+                              </m:r>
+                            </m:e>
+                            <m:sup>
+                              <m:r>
+                                <a:rPr lang="pt-BR" sz="3000" b="0" i="1" smtClean="0">
+                                  <a:solidFill>
+                                    <a:schemeClr val="tx1"/>
+                                  </a:solidFill>
+                                  <a:latin typeface="Cambria Math" panose="02040503050406030204" pitchFamily="18" charset="0"/>
+                                </a:rPr>
+                                <m:t>2</m:t>
+                              </m:r>
+                            </m:sup>
+                          </m:sSup>
+                        </m:e>
+                      </m:nary>
+                    </m:oMath>
+                  </m:oMathPara>
+                </a14:m>
+                <a:endParaRPr lang="en-US" sz="3000" dirty="0">
+                  <a:solidFill>
+                    <a:schemeClr val="tx1"/>
+                  </a:solidFill>
+                </a:endParaRPr>
+              </a:p>
+            </p:txBody>
+          </p:sp>
+        </mc:Choice>
+        <mc:Fallback>
+          <p:sp>
+            <p:nvSpPr>
+              <p:cNvPr id="51" name="TextBox 50">
+                <a:extLst>
+                  <a:ext uri="{FF2B5EF4-FFF2-40B4-BE49-F238E27FC236}">
+                    <a16:creationId xmlns:a16="http://schemas.microsoft.com/office/drawing/2014/main" id="{52B54484-A308-445B-9CD1-927E5E5C2F99}"/>
+                  </a:ext>
+                </a:extLst>
+              </p:cNvPr>
+              <p:cNvSpPr txBox="1">
+                <a:spLocks noRot="1" noChangeAspect="1" noMove="1" noResize="1" noEditPoints="1" noAdjustHandles="1" noChangeArrowheads="1" noChangeShapeType="1" noTextEdit="1"/>
+              </p:cNvSpPr>
+              <p:nvPr/>
+            </p:nvSpPr>
+            <p:spPr>
+              <a:xfrm>
+                <a:off x="7572562" y="1969322"/>
+                <a:ext cx="4598216" cy="1490601"/>
+              </a:xfrm>
+              <a:prstGeom prst="rect">
+                <a:avLst/>
+              </a:prstGeom>
+              <a:blipFill>
+                <a:blip r:embed="rId5"/>
+                <a:stretch>
+                  <a:fillRect/>
+                </a:stretch>
+              </a:blipFill>
+              <a:ln>
+                <a:solidFill>
+                  <a:schemeClr val="bg1"/>
+                </a:solidFill>
+              </a:ln>
+            </p:spPr>
+            <p:txBody>
+              <a:bodyPr/>
+              <a:lstStyle/>
+              <a:p>
+                <a:r>
+                  <a:rPr lang="en-US">
+                    <a:noFill/>
+                  </a:rPr>
+                  <a:t> </a:t>
+                </a:r>
+              </a:p>
+            </p:txBody>
+          </p:sp>
+        </mc:Fallback>
+      </mc:AlternateContent>
     </p:spTree>
     <p:extLst>
       <p:ext uri="{BB962C8B-B14F-4D97-AF65-F5344CB8AC3E}">
@@ -11078,7 +11747,7 @@
           <p:cNvPr id="2" name="Title 1">
             <a:extLst>
               <a:ext uri="{FF2B5EF4-FFF2-40B4-BE49-F238E27FC236}">
-                <a16:creationId xmlns:a16="http://schemas.microsoft.com/office/drawing/2014/main" id="{AF9EE52B-A2DB-4B47-AEA3-89ACAAF99C0F}"/>
+                <a16:creationId xmlns:a16="http://schemas.microsoft.com/office/drawing/2014/main" id="{A73DF308-3933-4854-A78C-4594D5462506}"/>
               </a:ext>
             </a:extLst>
           </p:cNvPr>
@@ -11094,200 +11763,47 @@
           <a:bodyPr/>
           <a:lstStyle/>
           <a:p>
-            <a:endParaRPr lang="en-US" dirty="0"/>
+            <a:r>
+              <a:rPr lang="en-US" dirty="0"/>
+              <a:t>Minify loss function</a:t>
+            </a:r>
           </a:p>
         </p:txBody>
       </p:sp>
-      <p:graphicFrame>
-        <p:nvGraphicFramePr>
-          <p:cNvPr id="4" name="Content Placeholder 3">
+      <p:pic>
+        <p:nvPicPr>
+          <p:cNvPr id="18" name="Picture 17">
             <a:extLst>
               <a:ext uri="{FF2B5EF4-FFF2-40B4-BE49-F238E27FC236}">
-                <a16:creationId xmlns:a16="http://schemas.microsoft.com/office/drawing/2014/main" id="{CE5F3A6B-3FE7-1643-B49B-D5F1B68D3E29}"/>
+                <a16:creationId xmlns:a16="http://schemas.microsoft.com/office/drawing/2014/main" id="{43169B4C-07CB-495B-8921-5E2F1DEBFE40}"/>
               </a:ext>
             </a:extLst>
           </p:cNvPr>
-          <p:cNvGraphicFramePr>
-            <a:graphicFrameLocks noGrp="1"/>
-          </p:cNvGraphicFramePr>
-          <p:nvPr>
-            <p:ph idx="1"/>
-            <p:extLst>
-              <p:ext uri="{D42A27DB-BD31-4B8C-83A1-F6EECF244321}">
-                <p14:modId xmlns:p14="http://schemas.microsoft.com/office/powerpoint/2010/main" val="2999774552"/>
-              </p:ext>
-            </p:extLst>
-          </p:nvPr>
-        </p:nvGraphicFramePr>
-        <p:xfrm>
-          <a:off x="838200" y="1825625"/>
-          <a:ext cx="10515600" cy="741680"/>
-        </p:xfrm>
-        <a:graphic>
-          <a:graphicData uri="http://schemas.openxmlformats.org/drawingml/2006/table">
-            <a:tbl>
-              <a:tblPr firstRow="1" bandRow="1">
-                <a:tableStyleId>{5C22544A-7EE6-4342-B048-85BDC9FD1C3A}</a:tableStyleId>
-              </a:tblPr>
-              <a:tblGrid>
-                <a:gridCol w="2103120">
-                  <a:extLst>
-                    <a:ext uri="{9D8B030D-6E8A-4147-A177-3AD203B41FA5}">
-                      <a16:colId xmlns:a16="http://schemas.microsoft.com/office/drawing/2014/main" val="154960591"/>
-                    </a:ext>
-                  </a:extLst>
-                </a:gridCol>
-                <a:gridCol w="2103120">
-                  <a:extLst>
-                    <a:ext uri="{9D8B030D-6E8A-4147-A177-3AD203B41FA5}">
-                      <a16:colId xmlns:a16="http://schemas.microsoft.com/office/drawing/2014/main" val="4289564652"/>
-                    </a:ext>
-                  </a:extLst>
-                </a:gridCol>
-                <a:gridCol w="2103120">
-                  <a:extLst>
-                    <a:ext uri="{9D8B030D-6E8A-4147-A177-3AD203B41FA5}">
-                      <a16:colId xmlns:a16="http://schemas.microsoft.com/office/drawing/2014/main" val="3347474852"/>
-                    </a:ext>
-                  </a:extLst>
-                </a:gridCol>
-                <a:gridCol w="2103120">
-                  <a:extLst>
-                    <a:ext uri="{9D8B030D-6E8A-4147-A177-3AD203B41FA5}">
-                      <a16:colId xmlns:a16="http://schemas.microsoft.com/office/drawing/2014/main" val="4267440939"/>
-                    </a:ext>
-                  </a:extLst>
-                </a:gridCol>
-                <a:gridCol w="2103120">
-                  <a:extLst>
-                    <a:ext uri="{9D8B030D-6E8A-4147-A177-3AD203B41FA5}">
-                      <a16:colId xmlns:a16="http://schemas.microsoft.com/office/drawing/2014/main" val="2584513605"/>
-                    </a:ext>
-                  </a:extLst>
-                </a:gridCol>
-              </a:tblGrid>
-              <a:tr h="370840">
-                <a:tc>
-                  <a:txBody>
-                    <a:bodyPr/>
-                    <a:lstStyle/>
-                    <a:p>
-                      <a:endParaRPr lang="en-US" dirty="0"/>
-                    </a:p>
-                  </a:txBody>
-                  <a:tcPr/>
-                </a:tc>
-                <a:tc>
-                  <a:txBody>
-                    <a:bodyPr/>
-                    <a:lstStyle/>
-                    <a:p>
-                      <a:endParaRPr lang="en-US" dirty="0"/>
-                    </a:p>
-                  </a:txBody>
-                  <a:tcPr/>
-                </a:tc>
-                <a:tc>
-                  <a:txBody>
-                    <a:bodyPr/>
-                    <a:lstStyle/>
-                    <a:p>
-                      <a:endParaRPr lang="en-US"/>
-                    </a:p>
-                  </a:txBody>
-                  <a:tcPr/>
-                </a:tc>
-                <a:tc>
-                  <a:txBody>
-                    <a:bodyPr/>
-                    <a:lstStyle/>
-                    <a:p>
-                      <a:endParaRPr lang="en-US"/>
-                    </a:p>
-                  </a:txBody>
-                  <a:tcPr/>
-                </a:tc>
-                <a:tc>
-                  <a:txBody>
-                    <a:bodyPr/>
-                    <a:lstStyle/>
-                    <a:p>
-                      <a:endParaRPr lang="en-US"/>
-                    </a:p>
-                  </a:txBody>
-                  <a:tcPr/>
-                </a:tc>
-                <a:extLst>
-                  <a:ext uri="{0D108BD9-81ED-4DB2-BD59-A6C34878D82A}">
-                    <a16:rowId xmlns:a16="http://schemas.microsoft.com/office/drawing/2014/main" val="3931834451"/>
-                  </a:ext>
-                </a:extLst>
-              </a:tr>
-              <a:tr h="370840">
-                <a:tc>
-                  <a:txBody>
-                    <a:bodyPr/>
-                    <a:lstStyle/>
-                    <a:p>
-                      <a:endParaRPr lang="en-US"/>
-                    </a:p>
-                  </a:txBody>
-                  <a:tcPr/>
-                </a:tc>
-                <a:tc>
-                  <a:txBody>
-                    <a:bodyPr/>
-                    <a:lstStyle/>
-                    <a:p>
-                      <a:endParaRPr lang="en-US"/>
-                    </a:p>
-                  </a:txBody>
-                  <a:tcPr/>
-                </a:tc>
-                <a:tc>
-                  <a:txBody>
-                    <a:bodyPr/>
-                    <a:lstStyle/>
-                    <a:p>
-                      <a:endParaRPr lang="en-US"/>
-                    </a:p>
-                  </a:txBody>
-                  <a:tcPr/>
-                </a:tc>
-                <a:tc>
-                  <a:txBody>
-                    <a:bodyPr/>
-                    <a:lstStyle/>
-                    <a:p>
-                      <a:endParaRPr lang="en-US"/>
-                    </a:p>
-                  </a:txBody>
-                  <a:tcPr/>
-                </a:tc>
-                <a:tc>
-                  <a:txBody>
-                    <a:bodyPr/>
-                    <a:lstStyle/>
-                    <a:p>
-                      <a:endParaRPr lang="en-US" dirty="0"/>
-                    </a:p>
-                  </a:txBody>
-                  <a:tcPr/>
-                </a:tc>
-                <a:extLst>
-                  <a:ext uri="{0D108BD9-81ED-4DB2-BD59-A6C34878D82A}">
-                    <a16:rowId xmlns:a16="http://schemas.microsoft.com/office/drawing/2014/main" val="26327907"/>
-                  </a:ext>
-                </a:extLst>
-              </a:tr>
-            </a:tbl>
-          </a:graphicData>
-        </a:graphic>
-      </p:graphicFrame>
+          <p:cNvPicPr>
+            <a:picLocks noChangeAspect="1"/>
+          </p:cNvPicPr>
+          <p:nvPr/>
+        </p:nvPicPr>
+        <p:blipFill>
+          <a:blip r:embed="rId2"/>
+          <a:stretch>
+            <a:fillRect/>
+          </a:stretch>
+        </p:blipFill>
+        <p:spPr>
+          <a:xfrm>
+            <a:off x="2047875" y="1366758"/>
+            <a:ext cx="6753225" cy="5148341"/>
+          </a:xfrm>
+          <a:prstGeom prst="rect">
+            <a:avLst/>
+          </a:prstGeom>
+        </p:spPr>
+      </p:pic>
     </p:spTree>
     <p:extLst>
       <p:ext uri="{BB962C8B-B14F-4D97-AF65-F5344CB8AC3E}">
-        <p14:creationId xmlns:p14="http://schemas.microsoft.com/office/powerpoint/2010/main" val="735892222"/>
+        <p14:creationId xmlns:p14="http://schemas.microsoft.com/office/powerpoint/2010/main" val="2317537948"/>
       </p:ext>
     </p:extLst>
   </p:cSld>
